--- a/Github 101.pptx
+++ b/Github 101.pptx
@@ -6829,11 +6829,7 @@
           <a:p>
             <a:r>
               <a:rPr lang="en-US" sz="2600" dirty="0" smtClean="0"/>
-              <a:t>Create a directory and cd to it</a:t>
-            </a:r>
-            <a:r>
-              <a:rPr lang="en-US" sz="2600" dirty="0" smtClean="0"/>
-              <a:t>.</a:t>
+              <a:t>Create a directory and cd to it.</a:t>
             </a:r>
           </a:p>
           <a:p>
@@ -7363,6 +7359,30 @@
           </a:p>
         </p:txBody>
       </p:sp>
+      <p:pic>
+        <p:nvPicPr>
+          <p:cNvPr id="4" name="Picture 3"/>
+          <p:cNvPicPr>
+            <a:picLocks noChangeAspect="1"/>
+          </p:cNvPicPr>
+          <p:nvPr/>
+        </p:nvPicPr>
+        <p:blipFill>
+          <a:blip r:embed="rId2"/>
+          <a:stretch>
+            <a:fillRect/>
+          </a:stretch>
+        </p:blipFill>
+        <p:spPr>
+          <a:xfrm>
+            <a:off x="5611091" y="2418855"/>
+            <a:ext cx="5985596" cy="4029214"/>
+          </a:xfrm>
+          <a:prstGeom prst="rect">
+            <a:avLst/>
+          </a:prstGeom>
+        </p:spPr>
+      </p:pic>
     </p:spTree>
     <p:extLst>
       <p:ext uri="{BB962C8B-B14F-4D97-AF65-F5344CB8AC3E}">

--- a/Github 101.pptx
+++ b/Github 101.pptx
@@ -5,7 +5,7 @@
     <p:sldMasterId id="2147483648" r:id="rId1"/>
   </p:sldMasterIdLst>
   <p:notesMasterIdLst>
-    <p:notesMasterId r:id="rId19"/>
+    <p:notesMasterId r:id="rId20"/>
   </p:notesMasterIdLst>
   <p:sldIdLst>
     <p:sldId id="256" r:id="rId2"/>
@@ -23,8 +23,9 @@
     <p:sldId id="268" r:id="rId14"/>
     <p:sldId id="269" r:id="rId15"/>
     <p:sldId id="270" r:id="rId16"/>
-    <p:sldId id="271" r:id="rId17"/>
-    <p:sldId id="272" r:id="rId18"/>
+    <p:sldId id="273" r:id="rId17"/>
+    <p:sldId id="271" r:id="rId18"/>
+    <p:sldId id="272" r:id="rId19"/>
   </p:sldIdLst>
   <p:sldSz cx="12192000" cy="6858000"/>
   <p:notesSz cx="6858000" cy="9144000"/>
@@ -7199,6 +7200,30 @@
           </a:p>
         </p:txBody>
       </p:sp>
+      <p:pic>
+        <p:nvPicPr>
+          <p:cNvPr id="4" name="Picture 3"/>
+          <p:cNvPicPr>
+            <a:picLocks noChangeAspect="1"/>
+          </p:cNvPicPr>
+          <p:nvPr/>
+        </p:nvPicPr>
+        <p:blipFill>
+          <a:blip r:embed="rId2"/>
+          <a:stretch>
+            <a:fillRect/>
+          </a:stretch>
+        </p:blipFill>
+        <p:spPr>
+          <a:xfrm>
+            <a:off x="7431578" y="3200529"/>
+            <a:ext cx="4613563" cy="3416920"/>
+          </a:xfrm>
+          <a:prstGeom prst="rect">
+            <a:avLst/>
+          </a:prstGeom>
+        </p:spPr>
+      </p:pic>
     </p:spTree>
     <p:extLst>
       <p:ext uri="{BB962C8B-B14F-4D97-AF65-F5344CB8AC3E}">
@@ -7509,6 +7534,30 @@
           </a:p>
         </p:txBody>
       </p:sp>
+      <p:pic>
+        <p:nvPicPr>
+          <p:cNvPr id="4" name="Picture 3"/>
+          <p:cNvPicPr>
+            <a:picLocks noChangeAspect="1"/>
+          </p:cNvPicPr>
+          <p:nvPr/>
+        </p:nvPicPr>
+        <p:blipFill>
+          <a:blip r:embed="rId2"/>
+          <a:stretch>
+            <a:fillRect/>
+          </a:stretch>
+        </p:blipFill>
+        <p:spPr>
+          <a:xfrm>
+            <a:off x="3359904" y="3501043"/>
+            <a:ext cx="6524968" cy="2747355"/>
+          </a:xfrm>
+          <a:prstGeom prst="rect">
+            <a:avLst/>
+          </a:prstGeom>
+        </p:spPr>
+      </p:pic>
     </p:spTree>
     <p:extLst>
       <p:ext uri="{BB962C8B-B14F-4D97-AF65-F5344CB8AC3E}">
@@ -7674,12 +7723,8 @@
               <a:t>B) Only </a:t>
             </a:r>
             <a:r>
-              <a:rPr lang="en-US" dirty="0" err="1" smtClean="0"/>
-              <a:t>publis</a:t>
-            </a:r>
-            <a:r>
               <a:rPr lang="en-US" dirty="0" smtClean="0"/>
-              <a:t> </a:t>
+              <a:t>publish </a:t>
             </a:r>
             <a:r>
               <a:rPr lang="en-US" dirty="0"/>
@@ -7767,6 +7812,97 @@
       </p:grpSpPr>
       <p:sp>
         <p:nvSpPr>
+          <p:cNvPr id="2" name="Title 1"/>
+          <p:cNvSpPr>
+            <a:spLocks noGrp="1"/>
+          </p:cNvSpPr>
+          <p:nvPr>
+            <p:ph type="title"/>
+          </p:nvPr>
+        </p:nvSpPr>
+        <p:spPr/>
+        <p:txBody>
+          <a:bodyPr/>
+          <a:lstStyle/>
+          <a:p>
+            <a:r>
+              <a:rPr lang="en-US" dirty="0" err="1" smtClean="0"/>
+              <a:t>Git</a:t>
+            </a:r>
+            <a:r>
+              <a:rPr lang="en-US" dirty="0" smtClean="0"/>
+              <a:t> </a:t>
+            </a:r>
+            <a:r>
+              <a:rPr lang="en-US" dirty="0"/>
+              <a:t>D</a:t>
+            </a:r>
+            <a:r>
+              <a:rPr lang="en-US" dirty="0" smtClean="0"/>
+              <a:t>esktop App</a:t>
+            </a:r>
+            <a:endParaRPr lang="en-US" dirty="0"/>
+          </a:p>
+        </p:txBody>
+      </p:sp>
+      <p:pic>
+        <p:nvPicPr>
+          <p:cNvPr id="6" name="Content Placeholder 5"/>
+          <p:cNvPicPr>
+            <a:picLocks noGrp="1" noChangeAspect="1"/>
+          </p:cNvPicPr>
+          <p:nvPr>
+            <p:ph idx="1"/>
+          </p:nvPr>
+        </p:nvPicPr>
+        <p:blipFill>
+          <a:blip r:embed="rId2"/>
+          <a:stretch>
+            <a:fillRect/>
+          </a:stretch>
+        </p:blipFill>
+        <p:spPr>
+          <a:xfrm>
+            <a:off x="2105683" y="1221366"/>
+            <a:ext cx="7528767" cy="5225942"/>
+          </a:xfrm>
+          <a:prstGeom prst="rect">
+            <a:avLst/>
+          </a:prstGeom>
+        </p:spPr>
+      </p:pic>
+    </p:spTree>
+    <p:extLst>
+      <p:ext uri="{BB962C8B-B14F-4D97-AF65-F5344CB8AC3E}">
+        <p14:creationId xmlns:p14="http://schemas.microsoft.com/office/powerpoint/2010/main" val="4282218664"/>
+      </p:ext>
+    </p:extLst>
+  </p:cSld>
+  <p:clrMapOvr>
+    <a:masterClrMapping/>
+  </p:clrMapOvr>
+</p:sld>
+</file>
+
+<file path=ppt/slides/slide17.xml><?xml version="1.0" encoding="utf-8"?>
+<p:sld xmlns:a="http://schemas.openxmlformats.org/drawingml/2006/main" xmlns:r="http://schemas.openxmlformats.org/officeDocument/2006/relationships" xmlns:p="http://schemas.openxmlformats.org/presentationml/2006/main">
+  <p:cSld>
+    <p:spTree>
+      <p:nvGrpSpPr>
+        <p:cNvPr id="1" name=""/>
+        <p:cNvGrpSpPr/>
+        <p:nvPr/>
+      </p:nvGrpSpPr>
+      <p:grpSpPr>
+        <a:xfrm>
+          <a:off x="0" y="0"/>
+          <a:ext cx="0" cy="0"/>
+          <a:chOff x="0" y="0"/>
+          <a:chExt cx="0" cy="0"/>
+        </a:xfrm>
+      </p:grpSpPr>
+      <p:sp>
+        <p:nvSpPr>
           <p:cNvPr id="3" name="Content Placeholder 2"/>
           <p:cNvSpPr>
             <a:spLocks noGrp="1"/>
@@ -7806,7 +7942,7 @@
 </p:sld>
 </file>
 
-<file path=ppt/slides/slide17.xml><?xml version="1.0" encoding="utf-8"?>
+<file path=ppt/slides/slide18.xml><?xml version="1.0" encoding="utf-8"?>
 <p:sld xmlns:a="http://schemas.openxmlformats.org/drawingml/2006/main" xmlns:r="http://schemas.openxmlformats.org/officeDocument/2006/relationships" xmlns:p="http://schemas.openxmlformats.org/presentationml/2006/main">
   <p:cSld>
     <p:spTree>

--- a/Github 101.pptx
+++ b/Github 101.pptx
@@ -5,7 +5,7 @@
     <p:sldMasterId id="2147483648" r:id="rId1"/>
   </p:sldMasterIdLst>
   <p:notesMasterIdLst>
-    <p:notesMasterId r:id="rId20"/>
+    <p:notesMasterId r:id="rId21"/>
   </p:notesMasterIdLst>
   <p:sldIdLst>
     <p:sldId id="256" r:id="rId2"/>
@@ -25,7 +25,8 @@
     <p:sldId id="270" r:id="rId16"/>
     <p:sldId id="273" r:id="rId17"/>
     <p:sldId id="271" r:id="rId18"/>
-    <p:sldId id="272" r:id="rId19"/>
+    <p:sldId id="274" r:id="rId19"/>
+    <p:sldId id="272" r:id="rId20"/>
   </p:sldIdLst>
   <p:sldSz cx="12192000" cy="6858000"/>
   <p:notesSz cx="6858000" cy="9144000"/>
@@ -214,7 +215,7 @@
           <a:p>
             <a:fld id="{54249F42-6EAB-4BF6-B601-3B1D98747D45}" type="datetimeFigureOut">
               <a:rPr lang="en-US" smtClean="0"/>
-              <a:t>1/25/2019</a:t>
+              <a:t>1/26/2019</a:t>
             </a:fld>
             <a:endParaRPr lang="en-US"/>
           </a:p>
@@ -764,7 +765,7 @@
           <a:p>
             <a:fld id="{4AAD347D-5ACD-4C99-B74B-A9C85AD731AF}" type="datetimeFigureOut">
               <a:rPr lang="en-US" dirty="0"/>
-              <a:t>1/25/2019</a:t>
+              <a:t>1/26/2019</a:t>
             </a:fld>
             <a:endParaRPr lang="en-US" dirty="0"/>
           </a:p>
@@ -1034,7 +1035,7 @@
           <a:p>
             <a:fld id="{4509A250-FF31-4206-8172-F9D3106AACB1}" type="datetimeFigureOut">
               <a:rPr lang="en-US" dirty="0"/>
-              <a:t>1/25/2019</a:t>
+              <a:t>1/26/2019</a:t>
             </a:fld>
             <a:endParaRPr lang="en-US" dirty="0"/>
           </a:p>
@@ -1223,7 +1224,7 @@
           <a:p>
             <a:fld id="{4509A250-FF31-4206-8172-F9D3106AACB1}" type="datetimeFigureOut">
               <a:rPr lang="en-US" dirty="0"/>
-              <a:t>1/25/2019</a:t>
+              <a:t>1/26/2019</a:t>
             </a:fld>
             <a:endParaRPr lang="en-US" dirty="0"/>
           </a:p>
@@ -1491,7 +1492,7 @@
           <a:p>
             <a:fld id="{4509A250-FF31-4206-8172-F9D3106AACB1}" type="datetimeFigureOut">
               <a:rPr lang="en-US" dirty="0"/>
-              <a:t>1/25/2019</a:t>
+              <a:t>1/26/2019</a:t>
             </a:fld>
             <a:endParaRPr lang="en-US" dirty="0"/>
           </a:p>
@@ -1827,7 +1828,7 @@
           <a:p>
             <a:fld id="{4509A250-FF31-4206-8172-F9D3106AACB1}" type="datetimeFigureOut">
               <a:rPr lang="en-US" dirty="0"/>
-              <a:t>1/25/2019</a:t>
+              <a:t>1/26/2019</a:t>
             </a:fld>
             <a:endParaRPr lang="en-US" dirty="0"/>
           </a:p>
@@ -2445,7 +2446,7 @@
           <a:p>
             <a:fld id="{4509A250-FF31-4206-8172-F9D3106AACB1}" type="datetimeFigureOut">
               <a:rPr lang="en-US" dirty="0"/>
-              <a:t>1/25/2019</a:t>
+              <a:t>1/26/2019</a:t>
             </a:fld>
             <a:endParaRPr lang="en-US" dirty="0"/>
           </a:p>
@@ -3300,7 +3301,7 @@
           <a:p>
             <a:fld id="{4509A250-FF31-4206-8172-F9D3106AACB1}" type="datetimeFigureOut">
               <a:rPr lang="en-US" dirty="0"/>
-              <a:t>1/25/2019</a:t>
+              <a:t>1/26/2019</a:t>
             </a:fld>
             <a:endParaRPr lang="en-US" dirty="0"/>
           </a:p>
@@ -3465,7 +3466,7 @@
           <a:p>
             <a:fld id="{4509A250-FF31-4206-8172-F9D3106AACB1}" type="datetimeFigureOut">
               <a:rPr lang="en-US" dirty="0"/>
-              <a:t>1/25/2019</a:t>
+              <a:t>1/26/2019</a:t>
             </a:fld>
             <a:endParaRPr lang="en-US" dirty="0"/>
           </a:p>
@@ -3640,7 +3641,7 @@
           <a:p>
             <a:fld id="{4509A250-FF31-4206-8172-F9D3106AACB1}" type="datetimeFigureOut">
               <a:rPr lang="en-US" dirty="0"/>
-              <a:t>1/25/2019</a:t>
+              <a:t>1/26/2019</a:t>
             </a:fld>
             <a:endParaRPr lang="en-US" dirty="0"/>
           </a:p>
@@ -3805,7 +3806,7 @@
           <a:p>
             <a:fld id="{4509A250-FF31-4206-8172-F9D3106AACB1}" type="datetimeFigureOut">
               <a:rPr lang="en-US" dirty="0"/>
-              <a:t>1/25/2019</a:t>
+              <a:t>1/26/2019</a:t>
             </a:fld>
             <a:endParaRPr lang="en-US" dirty="0"/>
           </a:p>
@@ -4047,7 +4048,7 @@
           <a:p>
             <a:fld id="{9796027F-7875-4030-9381-8BD8C4F21935}" type="datetimeFigureOut">
               <a:rPr lang="en-US" dirty="0"/>
-              <a:t>1/25/2019</a:t>
+              <a:t>1/26/2019</a:t>
             </a:fld>
             <a:endParaRPr lang="en-US" dirty="0"/>
           </a:p>
@@ -4334,7 +4335,7 @@
           <a:p>
             <a:fld id="{9796027F-7875-4030-9381-8BD8C4F21935}" type="datetimeFigureOut">
               <a:rPr lang="en-US" dirty="0"/>
-              <a:t>1/25/2019</a:t>
+              <a:t>1/26/2019</a:t>
             </a:fld>
             <a:endParaRPr lang="en-US" dirty="0"/>
           </a:p>
@@ -4773,7 +4774,7 @@
           <a:p>
             <a:fld id="{9796027F-7875-4030-9381-8BD8C4F21935}" type="datetimeFigureOut">
               <a:rPr lang="en-US" dirty="0"/>
-              <a:t>1/25/2019</a:t>
+              <a:t>1/26/2019</a:t>
             </a:fld>
             <a:endParaRPr lang="en-US" dirty="0"/>
           </a:p>
@@ -4886,7 +4887,7 @@
           <a:p>
             <a:fld id="{4509A250-FF31-4206-8172-F9D3106AACB1}" type="datetimeFigureOut">
               <a:rPr lang="en-US" dirty="0"/>
-              <a:t>1/25/2019</a:t>
+              <a:t>1/26/2019</a:t>
             </a:fld>
             <a:endParaRPr lang="en-US" dirty="0"/>
           </a:p>
@@ -4976,7 +4977,7 @@
           <a:p>
             <a:fld id="{4509A250-FF31-4206-8172-F9D3106AACB1}" type="datetimeFigureOut">
               <a:rPr lang="en-US" dirty="0"/>
-              <a:t>1/25/2019</a:t>
+              <a:t>1/26/2019</a:t>
             </a:fld>
             <a:endParaRPr lang="en-US" dirty="0"/>
           </a:p>
@@ -5250,7 +5251,7 @@
           <a:p>
             <a:fld id="{4509A250-FF31-4206-8172-F9D3106AACB1}" type="datetimeFigureOut">
               <a:rPr lang="en-US" dirty="0"/>
-              <a:t>1/25/2019</a:t>
+              <a:t>1/26/2019</a:t>
             </a:fld>
             <a:endParaRPr lang="en-US" dirty="0"/>
           </a:p>
@@ -5520,7 +5521,7 @@
           <a:p>
             <a:fld id="{4509A250-FF31-4206-8172-F9D3106AACB1}" type="datetimeFigureOut">
               <a:rPr lang="en-US" dirty="0"/>
-              <a:t>1/25/2019</a:t>
+              <a:t>1/26/2019</a:t>
             </a:fld>
             <a:endParaRPr lang="en-US" dirty="0"/>
           </a:p>
@@ -5944,7 +5945,7 @@
           <a:p>
             <a:fld id="{4AAD347D-5ACD-4C99-B74B-A9C85AD731AF}" type="datetimeFigureOut">
               <a:rPr lang="en-US" dirty="0"/>
-              <a:t>1/25/2019</a:t>
+              <a:t>1/26/2019</a:t>
             </a:fld>
             <a:endParaRPr lang="en-US" dirty="0"/>
           </a:p>
@@ -6512,7 +6513,7 @@
           <a:p>
             <a:r>
               <a:rPr lang="en-US" dirty="0" smtClean="0"/>
-              <a:t>A general overview</a:t>
+              <a:t>An overview</a:t>
             </a:r>
             <a:endParaRPr lang="en-US" dirty="0"/>
           </a:p>
@@ -6917,8 +6918,9 @@
             </a:r>
             <a:r>
               <a:rPr lang="en-US" sz="2000" dirty="0" smtClean="0"/>
-              <a:t>00a88165a99ddcdac0</a:t>
-            </a:r>
+              <a:t>&lt;token&gt;</a:t>
+            </a:r>
+            <a:endParaRPr lang="en-US" sz="2000" dirty="0" smtClean="0"/>
           </a:p>
           <a:p>
             <a:pPr lvl="1"/>
@@ -7342,8 +7344,9 @@
             </a:r>
             <a:r>
               <a:rPr lang="en-US" dirty="0" smtClean="0"/>
-              <a:t>push</a:t>
-            </a:r>
+              <a:t>push –push-option = &lt;Token&gt;</a:t>
+            </a:r>
+            <a:endParaRPr lang="en-US" dirty="0" smtClean="0"/>
           </a:p>
           <a:p>
             <a:pPr lvl="2"/>
@@ -7400,8 +7403,8 @@
         </p:blipFill>
         <p:spPr>
           <a:xfrm>
-            <a:off x="5611091" y="2418855"/>
-            <a:ext cx="5985596" cy="4029214"/>
+            <a:off x="6400799" y="2950449"/>
+            <a:ext cx="5195887" cy="3497620"/>
           </a:xfrm>
           <a:prstGeom prst="rect">
             <a:avLst/>
@@ -7720,11 +7723,7 @@
             <a:pPr lvl="1" fontAlgn="base"/>
             <a:r>
               <a:rPr lang="en-US" dirty="0" smtClean="0"/>
-              <a:t>B) Only </a:t>
-            </a:r>
-            <a:r>
-              <a:rPr lang="en-US" dirty="0" smtClean="0"/>
-              <a:t>publish </a:t>
+              <a:t>B) Only publish </a:t>
             </a:r>
             <a:r>
               <a:rPr lang="en-US" dirty="0"/>
@@ -7975,6 +7974,156 @@
           <a:lstStyle/>
           <a:p>
             <a:r>
+              <a:rPr lang="en-US" dirty="0" smtClean="0"/>
+              <a:t>In Summary</a:t>
+            </a:r>
+            <a:endParaRPr lang="en-US" dirty="0"/>
+          </a:p>
+        </p:txBody>
+      </p:sp>
+      <p:sp>
+        <p:nvSpPr>
+          <p:cNvPr id="3" name="Content Placeholder 2"/>
+          <p:cNvSpPr>
+            <a:spLocks noGrp="1"/>
+          </p:cNvSpPr>
+          <p:nvPr>
+            <p:ph idx="1"/>
+          </p:nvPr>
+        </p:nvSpPr>
+        <p:spPr/>
+        <p:txBody>
+          <a:bodyPr/>
+          <a:lstStyle/>
+          <a:p>
+            <a:r>
+              <a:rPr lang="en-US" dirty="0" smtClean="0"/>
+              <a:t>Today we used the following commands:</a:t>
+            </a:r>
+          </a:p>
+          <a:p>
+            <a:pPr lvl="1"/>
+            <a:r>
+              <a:rPr lang="en-US" dirty="0" err="1"/>
+              <a:t>git</a:t>
+            </a:r>
+            <a:r>
+              <a:rPr lang="en-US" dirty="0"/>
+              <a:t> status</a:t>
+            </a:r>
+          </a:p>
+          <a:p>
+            <a:pPr lvl="1"/>
+            <a:r>
+              <a:rPr lang="en-US" dirty="0" err="1"/>
+              <a:t>git</a:t>
+            </a:r>
+            <a:r>
+              <a:rPr lang="en-US" dirty="0"/>
+              <a:t> add -A</a:t>
+            </a:r>
+          </a:p>
+          <a:p>
+            <a:pPr lvl="1"/>
+            <a:r>
+              <a:rPr lang="en-US" dirty="0" err="1" smtClean="0"/>
+              <a:t>git</a:t>
+            </a:r>
+            <a:r>
+              <a:rPr lang="en-US" dirty="0" smtClean="0"/>
+              <a:t> </a:t>
+            </a:r>
+            <a:r>
+              <a:rPr lang="en-US" dirty="0"/>
+              <a:t>commit -</a:t>
+            </a:r>
+            <a:r>
+              <a:rPr lang="en-US" dirty="0" smtClean="0"/>
+              <a:t>m</a:t>
+            </a:r>
+            <a:endParaRPr lang="en-US" dirty="0"/>
+          </a:p>
+          <a:p>
+            <a:pPr lvl="1"/>
+            <a:r>
+              <a:rPr lang="en-US" dirty="0" err="1"/>
+              <a:t>git</a:t>
+            </a:r>
+            <a:r>
+              <a:rPr lang="en-US" dirty="0"/>
+              <a:t> </a:t>
+            </a:r>
+            <a:r>
+              <a:rPr lang="en-US" dirty="0" smtClean="0"/>
+              <a:t>push</a:t>
+            </a:r>
+          </a:p>
+          <a:p>
+            <a:pPr lvl="1"/>
+            <a:r>
+              <a:rPr lang="en-US" dirty="0" err="1"/>
+              <a:t>g</a:t>
+            </a:r>
+            <a:r>
+              <a:rPr lang="en-US" dirty="0" err="1" smtClean="0"/>
+              <a:t>it</a:t>
+            </a:r>
+            <a:r>
+              <a:rPr lang="en-US" dirty="0" smtClean="0"/>
+              <a:t> pull</a:t>
+            </a:r>
+          </a:p>
+          <a:p>
+            <a:endParaRPr lang="en-US" dirty="0"/>
+          </a:p>
+        </p:txBody>
+      </p:sp>
+    </p:spTree>
+    <p:extLst>
+      <p:ext uri="{BB962C8B-B14F-4D97-AF65-F5344CB8AC3E}">
+        <p14:creationId xmlns:p14="http://schemas.microsoft.com/office/powerpoint/2010/main" val="3309587785"/>
+      </p:ext>
+    </p:extLst>
+  </p:cSld>
+  <p:clrMapOvr>
+    <a:masterClrMapping/>
+  </p:clrMapOvr>
+</p:sld>
+</file>
+
+<file path=ppt/slides/slide19.xml><?xml version="1.0" encoding="utf-8"?>
+<p:sld xmlns:a="http://schemas.openxmlformats.org/drawingml/2006/main" xmlns:r="http://schemas.openxmlformats.org/officeDocument/2006/relationships" xmlns:p="http://schemas.openxmlformats.org/presentationml/2006/main">
+  <p:cSld>
+    <p:spTree>
+      <p:nvGrpSpPr>
+        <p:cNvPr id="1" name=""/>
+        <p:cNvGrpSpPr/>
+        <p:nvPr/>
+      </p:nvGrpSpPr>
+      <p:grpSpPr>
+        <a:xfrm>
+          <a:off x="0" y="0"/>
+          <a:ext cx="0" cy="0"/>
+          <a:chOff x="0" y="0"/>
+          <a:chExt cx="0" cy="0"/>
+        </a:xfrm>
+      </p:grpSpPr>
+      <p:sp>
+        <p:nvSpPr>
+          <p:cNvPr id="2" name="Title 1"/>
+          <p:cNvSpPr>
+            <a:spLocks noGrp="1"/>
+          </p:cNvSpPr>
+          <p:nvPr>
+            <p:ph type="title"/>
+          </p:nvPr>
+        </p:nvSpPr>
+        <p:spPr/>
+        <p:txBody>
+          <a:bodyPr/>
+          <a:lstStyle/>
+          <a:p>
+            <a:r>
               <a:rPr lang="en-US" dirty="0" err="1"/>
               <a:t>Github</a:t>
             </a:r>
@@ -8074,7 +8223,7 @@
             <a:pPr lvl="1"/>
             <a:r>
               <a:rPr lang="en-US" dirty="0" smtClean="0"/>
-              <a:t>Braches deletion</a:t>
+              <a:t>Branches deletion</a:t>
             </a:r>
           </a:p>
           <a:p>
@@ -8165,7 +8314,7 @@
           <a:p>
             <a:r>
               <a:rPr lang="en-US" dirty="0" smtClean="0"/>
-              <a:t>To topics</a:t>
+              <a:t>Today topics:</a:t>
             </a:r>
             <a:endParaRPr lang="en-US" dirty="0"/>
           </a:p>
